--- a/docs/pptx/BlueprintDiag2.pptx
+++ b/docs/pptx/BlueprintDiag2.pptx
@@ -9781,14 +9781,14 @@
           </a:ln>
           <a:extLst>
             <a:ext uri="{909E8E84-426E-40dd-AFC4-6F175D3DCCD1}">
-              <a14:hiddenFill xmlns:a14="http://schemas.microsoft.com/office/drawing/2010/main" xmlns="">
+              <a14:hiddenFill xmlns="" xmlns:a14="http://schemas.microsoft.com/office/drawing/2010/main">
                 <a:solidFill>
                   <a:srgbClr val="FFFFFF"/>
                 </a:solidFill>
               </a14:hiddenFill>
             </a:ext>
             <a:ext uri="{91240B29-F687-4f45-9708-019B960494DF}">
-              <a14:hiddenLine xmlns:a14="http://schemas.microsoft.com/office/drawing/2010/main" xmlns="" w="9525">
+              <a14:hiddenLine xmlns="" xmlns:a14="http://schemas.microsoft.com/office/drawing/2010/main" w="9525">
                 <a:solidFill>
                   <a:srgbClr val="000000"/>
                 </a:solidFill>
@@ -11233,7 +11233,7 @@
             </a:ln>
             <a:extLst>
               <a:ext uri="{91240B29-F687-4f45-9708-019B960494DF}">
-                <a14:hiddenLine xmlns:a14="http://schemas.microsoft.com/office/drawing/2010/main" xmlns="" w="9525">
+                <a14:hiddenLine xmlns="" xmlns:a14="http://schemas.microsoft.com/office/drawing/2010/main" w="9525">
                   <a:solidFill>
                     <a:srgbClr val="000000"/>
                   </a:solidFill>
@@ -11293,14 +11293,14 @@
             </a:ln>
             <a:extLst>
               <a:ext uri="{909E8E84-426E-40dd-AFC4-6F175D3DCCD1}">
-                <a14:hiddenFill xmlns:a14="http://schemas.microsoft.com/office/drawing/2010/main" xmlns="">
+                <a14:hiddenFill xmlns="" xmlns:a14="http://schemas.microsoft.com/office/drawing/2010/main">
                   <a:solidFill>
                     <a:srgbClr val="FFFFFF"/>
                   </a:solidFill>
                 </a14:hiddenFill>
               </a:ext>
               <a:ext uri="{91240B29-F687-4f45-9708-019B960494DF}">
-                <a14:hiddenLine xmlns:a14="http://schemas.microsoft.com/office/drawing/2010/main" xmlns="" w="9525">
+                <a14:hiddenLine xmlns="" xmlns:a14="http://schemas.microsoft.com/office/drawing/2010/main" w="9525">
                   <a:solidFill>
                     <a:srgbClr val="000000"/>
                   </a:solidFill>
@@ -11429,7 +11429,7 @@
             </a:ln>
             <a:extLst>
               <a:ext uri="{91240B29-F687-4f45-9708-019B960494DF}">
-                <a14:hiddenLine xmlns:a14="http://schemas.microsoft.com/office/drawing/2010/main" xmlns="" w="9525">
+                <a14:hiddenLine xmlns="" xmlns:a14="http://schemas.microsoft.com/office/drawing/2010/main" w="9525">
                   <a:solidFill>
                     <a:srgbClr val="000000"/>
                   </a:solidFill>
@@ -11574,7 +11574,7 @@
             </a:ln>
             <a:extLst>
               <a:ext uri="{91240B29-F687-4f45-9708-019B960494DF}">
-                <a14:hiddenLine xmlns:a14="http://schemas.microsoft.com/office/drawing/2010/main" xmlns="" w="9525">
+                <a14:hiddenLine xmlns="" xmlns:a14="http://schemas.microsoft.com/office/drawing/2010/main" w="9525">
                   <a:solidFill>
                     <a:srgbClr val="000000"/>
                   </a:solidFill>
@@ -11783,7 +11783,7 @@
             </a:ln>
             <a:extLst>
               <a:ext uri="{91240B29-F687-4f45-9708-019B960494DF}">
-                <a14:hiddenLine xmlns:a14="http://schemas.microsoft.com/office/drawing/2010/main" xmlns="" w="9525">
+                <a14:hiddenLine xmlns="" xmlns:a14="http://schemas.microsoft.com/office/drawing/2010/main" w="9525">
                   <a:solidFill>
                     <a:srgbClr val="000000"/>
                   </a:solidFill>
@@ -11943,7 +11943,7 @@
           </a:ln>
           <a:extLst>
             <a:ext uri="{91240B29-F687-4f45-9708-019B960494DF}">
-              <a14:hiddenLine xmlns:a14="http://schemas.microsoft.com/office/drawing/2010/main" xmlns="" w="9525">
+              <a14:hiddenLine xmlns="" xmlns:a14="http://schemas.microsoft.com/office/drawing/2010/main" w="9525">
                 <a:solidFill>
                   <a:srgbClr val="000000"/>
                 </a:solidFill>
@@ -12129,7 +12129,7 @@
           </a:ln>
           <a:extLst>
             <a:ext uri="{91240B29-F687-4f45-9708-019B960494DF}">
-              <a14:hiddenLine xmlns:a14="http://schemas.microsoft.com/office/drawing/2010/main" xmlns="" w="9525">
+              <a14:hiddenLine xmlns="" xmlns:a14="http://schemas.microsoft.com/office/drawing/2010/main" w="9525">
                 <a:solidFill>
                   <a:srgbClr val="000000"/>
                 </a:solidFill>
@@ -12348,7 +12348,7 @@
           </a:ln>
           <a:extLst>
             <a:ext uri="{91240B29-F687-4f45-9708-019B960494DF}">
-              <a14:hiddenLine xmlns:a14="http://schemas.microsoft.com/office/drawing/2010/main" xmlns="" w="9525">
+              <a14:hiddenLine xmlns="" xmlns:a14="http://schemas.microsoft.com/office/drawing/2010/main" w="9525">
                 <a:solidFill>
                   <a:srgbClr val="000000"/>
                 </a:solidFill>
@@ -12557,7 +12557,7 @@
           </a:ln>
           <a:extLst>
             <a:ext uri="{91240B29-F687-4f45-9708-019B960494DF}">
-              <a14:hiddenLine xmlns:a14="http://schemas.microsoft.com/office/drawing/2010/main" xmlns="" w="9525">
+              <a14:hiddenLine xmlns="" xmlns:a14="http://schemas.microsoft.com/office/drawing/2010/main" w="9525">
                 <a:solidFill>
                   <a:srgbClr val="000000"/>
                 </a:solidFill>
@@ -13006,7 +13006,7 @@
             </a:ln>
             <a:extLst>
               <a:ext uri="{91240B29-F687-4f45-9708-019B960494DF}">
-                <a14:hiddenLine xmlns:a14="http://schemas.microsoft.com/office/drawing/2010/main" xmlns="" w="9525">
+                <a14:hiddenLine xmlns="" xmlns:a14="http://schemas.microsoft.com/office/drawing/2010/main" w="9525">
                   <a:solidFill>
                     <a:srgbClr val="000000"/>
                   </a:solidFill>
@@ -13066,14 +13066,14 @@
             </a:ln>
             <a:extLst>
               <a:ext uri="{909E8E84-426E-40dd-AFC4-6F175D3DCCD1}">
-                <a14:hiddenFill xmlns:a14="http://schemas.microsoft.com/office/drawing/2010/main" xmlns="">
+                <a14:hiddenFill xmlns="" xmlns:a14="http://schemas.microsoft.com/office/drawing/2010/main">
                   <a:solidFill>
                     <a:srgbClr val="FFFFFF"/>
                   </a:solidFill>
                 </a14:hiddenFill>
               </a:ext>
               <a:ext uri="{91240B29-F687-4f45-9708-019B960494DF}">
-                <a14:hiddenLine xmlns:a14="http://schemas.microsoft.com/office/drawing/2010/main" xmlns="" w="9525">
+                <a14:hiddenLine xmlns="" xmlns:a14="http://schemas.microsoft.com/office/drawing/2010/main" w="9525">
                   <a:solidFill>
                     <a:srgbClr val="000000"/>
                   </a:solidFill>
@@ -13202,7 +13202,7 @@
             </a:ln>
             <a:extLst>
               <a:ext uri="{91240B29-F687-4f45-9708-019B960494DF}">
-                <a14:hiddenLine xmlns:a14="http://schemas.microsoft.com/office/drawing/2010/main" xmlns="" w="9525">
+                <a14:hiddenLine xmlns="" xmlns:a14="http://schemas.microsoft.com/office/drawing/2010/main" w="9525">
                   <a:solidFill>
                     <a:srgbClr val="000000"/>
                   </a:solidFill>
@@ -13347,7 +13347,7 @@
             </a:ln>
             <a:extLst>
               <a:ext uri="{91240B29-F687-4f45-9708-019B960494DF}">
-                <a14:hiddenLine xmlns:a14="http://schemas.microsoft.com/office/drawing/2010/main" xmlns="" w="9525">
+                <a14:hiddenLine xmlns="" xmlns:a14="http://schemas.microsoft.com/office/drawing/2010/main" w="9525">
                   <a:solidFill>
                     <a:srgbClr val="000000"/>
                   </a:solidFill>
@@ -13556,7 +13556,7 @@
             </a:ln>
             <a:extLst>
               <a:ext uri="{91240B29-F687-4f45-9708-019B960494DF}">
-                <a14:hiddenLine xmlns:a14="http://schemas.microsoft.com/office/drawing/2010/main" xmlns="" w="9525">
+                <a14:hiddenLine xmlns="" xmlns:a14="http://schemas.microsoft.com/office/drawing/2010/main" w="9525">
                   <a:solidFill>
                     <a:srgbClr val="000000"/>
                   </a:solidFill>
@@ -13639,14 +13639,14 @@
             </a:ln>
             <a:extLst>
               <a:ext uri="{909E8E84-426E-40dd-AFC4-6F175D3DCCD1}">
-                <a14:hiddenFill xmlns:a14="http://schemas.microsoft.com/office/drawing/2010/main" xmlns="">
+                <a14:hiddenFill xmlns="" xmlns:a14="http://schemas.microsoft.com/office/drawing/2010/main">
                   <a:solidFill>
                     <a:srgbClr val="FFFFFF"/>
                   </a:solidFill>
                 </a14:hiddenFill>
               </a:ext>
               <a:ext uri="{91240B29-F687-4f45-9708-019B960494DF}">
-                <a14:hiddenLine xmlns:a14="http://schemas.microsoft.com/office/drawing/2010/main" xmlns="" w="9525">
+                <a14:hiddenLine xmlns="" xmlns:a14="http://schemas.microsoft.com/office/drawing/2010/main" w="9525">
                   <a:solidFill>
                     <a:srgbClr val="000000"/>
                   </a:solidFill>
@@ -13805,7 +13805,7 @@
             </a:ln>
             <a:extLst>
               <a:ext uri="{91240B29-F687-4f45-9708-019B960494DF}">
-                <a14:hiddenLine xmlns:a14="http://schemas.microsoft.com/office/drawing/2010/main" xmlns="" w="9525">
+                <a14:hiddenLine xmlns="" xmlns:a14="http://schemas.microsoft.com/office/drawing/2010/main" w="9525">
                   <a:solidFill>
                     <a:srgbClr val="000000"/>
                   </a:solidFill>
@@ -13991,7 +13991,7 @@
             </a:ln>
             <a:extLst>
               <a:ext uri="{91240B29-F687-4f45-9708-019B960494DF}">
-                <a14:hiddenLine xmlns:a14="http://schemas.microsoft.com/office/drawing/2010/main" xmlns="" w="9525">
+                <a14:hiddenLine xmlns="" xmlns:a14="http://schemas.microsoft.com/office/drawing/2010/main" w="9525">
                   <a:solidFill>
                     <a:srgbClr val="000000"/>
                   </a:solidFill>
@@ -14197,7 +14197,7 @@
             </a:ln>
             <a:extLst>
               <a:ext uri="{91240B29-F687-4f45-9708-019B960494DF}">
-                <a14:hiddenLine xmlns:a14="http://schemas.microsoft.com/office/drawing/2010/main" xmlns="" w="9525">
+                <a14:hiddenLine xmlns="" xmlns:a14="http://schemas.microsoft.com/office/drawing/2010/main" w="9525">
                   <a:solidFill>
                     <a:srgbClr val="000000"/>
                   </a:solidFill>
@@ -14406,7 +14406,7 @@
             </a:ln>
             <a:extLst>
               <a:ext uri="{91240B29-F687-4f45-9708-019B960494DF}">
-                <a14:hiddenLine xmlns:a14="http://schemas.microsoft.com/office/drawing/2010/main" xmlns="" w="9525">
+                <a14:hiddenLine xmlns="" xmlns:a14="http://schemas.microsoft.com/office/drawing/2010/main" w="9525">
                   <a:solidFill>
                     <a:srgbClr val="000000"/>
                   </a:solidFill>
@@ -14489,14 +14489,14 @@
             </a:ln>
             <a:extLst>
               <a:ext uri="{909E8E84-426E-40dd-AFC4-6F175D3DCCD1}">
-                <a14:hiddenFill xmlns:a14="http://schemas.microsoft.com/office/drawing/2010/main" xmlns="">
+                <a14:hiddenFill xmlns="" xmlns:a14="http://schemas.microsoft.com/office/drawing/2010/main">
                   <a:solidFill>
                     <a:srgbClr val="FFFFFF"/>
                   </a:solidFill>
                 </a14:hiddenFill>
               </a:ext>
               <a:ext uri="{91240B29-F687-4f45-9708-019B960494DF}">
-                <a14:hiddenLine xmlns:a14="http://schemas.microsoft.com/office/drawing/2010/main" xmlns="" w="9525">
+                <a14:hiddenLine xmlns="" xmlns:a14="http://schemas.microsoft.com/office/drawing/2010/main" w="9525">
                   <a:solidFill>
                     <a:srgbClr val="000000"/>
                   </a:solidFill>
@@ -14655,7 +14655,7 @@
             </a:ln>
             <a:extLst>
               <a:ext uri="{91240B29-F687-4f45-9708-019B960494DF}">
-                <a14:hiddenLine xmlns:a14="http://schemas.microsoft.com/office/drawing/2010/main" xmlns="" w="9525">
+                <a14:hiddenLine xmlns="" xmlns:a14="http://schemas.microsoft.com/office/drawing/2010/main" w="9525">
                   <a:solidFill>
                     <a:srgbClr val="000000"/>
                   </a:solidFill>
@@ -14841,7 +14841,7 @@
             </a:ln>
             <a:extLst>
               <a:ext uri="{91240B29-F687-4f45-9708-019B960494DF}">
-                <a14:hiddenLine xmlns:a14="http://schemas.microsoft.com/office/drawing/2010/main" xmlns="" w="9525">
+                <a14:hiddenLine xmlns="" xmlns:a14="http://schemas.microsoft.com/office/drawing/2010/main" w="9525">
                   <a:solidFill>
                     <a:srgbClr val="000000"/>
                   </a:solidFill>
@@ -15060,7 +15060,7 @@
             </a:ln>
             <a:extLst>
               <a:ext uri="{91240B29-F687-4f45-9708-019B960494DF}">
-                <a14:hiddenLine xmlns:a14="http://schemas.microsoft.com/office/drawing/2010/main" xmlns="" w="9525">
+                <a14:hiddenLine xmlns="" xmlns:a14="http://schemas.microsoft.com/office/drawing/2010/main" w="9525">
                   <a:solidFill>
                     <a:srgbClr val="000000"/>
                   </a:solidFill>
@@ -15269,7 +15269,7 @@
             </a:ln>
             <a:extLst>
               <a:ext uri="{91240B29-F687-4f45-9708-019B960494DF}">
-                <a14:hiddenLine xmlns:a14="http://schemas.microsoft.com/office/drawing/2010/main" xmlns="" w="9525">
+                <a14:hiddenLine xmlns="" xmlns:a14="http://schemas.microsoft.com/office/drawing/2010/main" w="9525">
                   <a:solidFill>
                     <a:srgbClr val="000000"/>
                   </a:solidFill>
@@ -15350,14 +15350,14 @@
             </a:ln>
             <a:extLst>
               <a:ext uri="{909E8E84-426E-40dd-AFC4-6F175D3DCCD1}">
-                <a14:hiddenFill xmlns="" xmlns:a14="http://schemas.microsoft.com/office/drawing/2010/main">
+                <a14:hiddenFill xmlns:a14="http://schemas.microsoft.com/office/drawing/2010/main" xmlns="">
                   <a:solidFill>
                     <a:srgbClr val="FFFFFF"/>
                   </a:solidFill>
                 </a14:hiddenFill>
               </a:ext>
               <a:ext uri="{91240B29-F687-4f45-9708-019B960494DF}">
-                <a14:hiddenLine xmlns="" xmlns:a14="http://schemas.microsoft.com/office/drawing/2010/main" w="9525">
+                <a14:hiddenLine xmlns:a14="http://schemas.microsoft.com/office/drawing/2010/main" xmlns="" w="9525">
                   <a:solidFill>
                     <a:srgbClr val="000000"/>
                   </a:solidFill>
@@ -15513,7 +15513,7 @@
             </a:ln>
             <a:extLst>
               <a:ext uri="{91240B29-F687-4f45-9708-019B960494DF}">
-                <a14:hiddenLine xmlns="" xmlns:a14="http://schemas.microsoft.com/office/drawing/2010/main" w="9525">
+                <a14:hiddenLine xmlns:a14="http://schemas.microsoft.com/office/drawing/2010/main" xmlns="" w="9525">
                   <a:solidFill>
                     <a:srgbClr val="000000"/>
                   </a:solidFill>
@@ -15629,14 +15629,14 @@
             </a:ln>
             <a:extLst>
               <a:ext uri="{909E8E84-426E-40dd-AFC4-6F175D3DCCD1}">
-                <a14:hiddenFill xmlns="" xmlns:a14="http://schemas.microsoft.com/office/drawing/2010/main">
+                <a14:hiddenFill xmlns:a14="http://schemas.microsoft.com/office/drawing/2010/main" xmlns="">
                   <a:solidFill>
                     <a:srgbClr val="FFFFFF"/>
                   </a:solidFill>
                 </a14:hiddenFill>
               </a:ext>
               <a:ext uri="{91240B29-F687-4f45-9708-019B960494DF}">
-                <a14:hiddenLine xmlns="" xmlns:a14="http://schemas.microsoft.com/office/drawing/2010/main" w="9525">
+                <a14:hiddenLine xmlns:a14="http://schemas.microsoft.com/office/drawing/2010/main" xmlns="" w="9525">
                   <a:solidFill>
                     <a:srgbClr val="000000"/>
                   </a:solidFill>
@@ -15792,7 +15792,7 @@
             </a:ln>
             <a:extLst>
               <a:ext uri="{91240B29-F687-4f45-9708-019B960494DF}">
-                <a14:hiddenLine xmlns="" xmlns:a14="http://schemas.microsoft.com/office/drawing/2010/main" w="9525">
+                <a14:hiddenLine xmlns:a14="http://schemas.microsoft.com/office/drawing/2010/main" xmlns="" w="9525">
                   <a:solidFill>
                     <a:srgbClr val="000000"/>
                   </a:solidFill>
@@ -15975,7 +15975,7 @@
             </a:ln>
             <a:extLst>
               <a:ext uri="{91240B29-F687-4f45-9708-019B960494DF}">
-                <a14:hiddenLine xmlns="" xmlns:a14="http://schemas.microsoft.com/office/drawing/2010/main" w="9525">
+                <a14:hiddenLine xmlns:a14="http://schemas.microsoft.com/office/drawing/2010/main" xmlns="" w="9525">
                   <a:solidFill>
                     <a:srgbClr val="000000"/>
                   </a:solidFill>
@@ -16133,7 +16133,7 @@
             </a:ln>
             <a:extLst>
               <a:ext uri="{91240B29-F687-4f45-9708-019B960494DF}">
-                <a14:hiddenLine xmlns="" xmlns:a14="http://schemas.microsoft.com/office/drawing/2010/main" w="9525">
+                <a14:hiddenLine xmlns:a14="http://schemas.microsoft.com/office/drawing/2010/main" xmlns="" w="9525">
                   <a:solidFill>
                     <a:srgbClr val="000000"/>
                   </a:solidFill>
@@ -16339,7 +16339,7 @@
             </a:ln>
             <a:extLst>
               <a:ext uri="{91240B29-F687-4f45-9708-019B960494DF}">
-                <a14:hiddenLine xmlns="" xmlns:a14="http://schemas.microsoft.com/office/drawing/2010/main" w="9525">
+                <a14:hiddenLine xmlns:a14="http://schemas.microsoft.com/office/drawing/2010/main" xmlns="" w="9525">
                   <a:solidFill>
                     <a:srgbClr val="000000"/>
                   </a:solidFill>
@@ -20766,7 +20766,7 @@
             </a:ln>
             <a:extLst>
               <a:ext uri="{91240B29-F687-4f45-9708-019B960494DF}">
-                <a14:hiddenLine xmlns:a14="http://schemas.microsoft.com/office/drawing/2010/main" xmlns="" w="9525">
+                <a14:hiddenLine xmlns="" xmlns:a14="http://schemas.microsoft.com/office/drawing/2010/main" w="9525">
                   <a:solidFill>
                     <a:srgbClr val="000000"/>
                   </a:solidFill>
@@ -22388,14 +22388,14 @@
           </a:ln>
           <a:extLst>
             <a:ext uri="{909E8E84-426E-40dd-AFC4-6F175D3DCCD1}">
-              <a14:hiddenFill xmlns:a14="http://schemas.microsoft.com/office/drawing/2010/main" xmlns="">
+              <a14:hiddenFill xmlns="" xmlns:a14="http://schemas.microsoft.com/office/drawing/2010/main">
                 <a:solidFill>
                   <a:srgbClr val="FFFFFF"/>
                 </a:solidFill>
               </a14:hiddenFill>
             </a:ext>
             <a:ext uri="{91240B29-F687-4f45-9708-019B960494DF}">
-              <a14:hiddenLine xmlns:a14="http://schemas.microsoft.com/office/drawing/2010/main" xmlns="" w="9525">
+              <a14:hiddenLine xmlns="" xmlns:a14="http://schemas.microsoft.com/office/drawing/2010/main" w="9525">
                 <a:solidFill>
                   <a:srgbClr val="000000"/>
                 </a:solidFill>
@@ -22736,7 +22736,7 @@
             </a:ln>
             <a:extLst>
               <a:ext uri="{91240B29-F687-4f45-9708-019B960494DF}">
-                <a14:hiddenLine xmlns:a14="http://schemas.microsoft.com/office/drawing/2010/main" xmlns="" w="9525">
+                <a14:hiddenLine xmlns="" xmlns:a14="http://schemas.microsoft.com/office/drawing/2010/main" w="9525">
                   <a:solidFill>
                     <a:srgbClr val="000000"/>
                   </a:solidFill>
@@ -22796,14 +22796,14 @@
             </a:ln>
             <a:extLst>
               <a:ext uri="{909E8E84-426E-40dd-AFC4-6F175D3DCCD1}">
-                <a14:hiddenFill xmlns:a14="http://schemas.microsoft.com/office/drawing/2010/main" xmlns="">
+                <a14:hiddenFill xmlns="" xmlns:a14="http://schemas.microsoft.com/office/drawing/2010/main">
                   <a:solidFill>
                     <a:srgbClr val="FFFFFF"/>
                   </a:solidFill>
                 </a14:hiddenFill>
               </a:ext>
               <a:ext uri="{91240B29-F687-4f45-9708-019B960494DF}">
-                <a14:hiddenLine xmlns:a14="http://schemas.microsoft.com/office/drawing/2010/main" xmlns="" w="9525">
+                <a14:hiddenLine xmlns="" xmlns:a14="http://schemas.microsoft.com/office/drawing/2010/main" w="9525">
                   <a:solidFill>
                     <a:srgbClr val="000000"/>
                   </a:solidFill>
@@ -22932,7 +22932,7 @@
             </a:ln>
             <a:extLst>
               <a:ext uri="{91240B29-F687-4f45-9708-019B960494DF}">
-                <a14:hiddenLine xmlns:a14="http://schemas.microsoft.com/office/drawing/2010/main" xmlns="" w="9525">
+                <a14:hiddenLine xmlns="" xmlns:a14="http://schemas.microsoft.com/office/drawing/2010/main" w="9525">
                   <a:solidFill>
                     <a:srgbClr val="000000"/>
                   </a:solidFill>
@@ -23077,7 +23077,7 @@
             </a:ln>
             <a:extLst>
               <a:ext uri="{91240B29-F687-4f45-9708-019B960494DF}">
-                <a14:hiddenLine xmlns:a14="http://schemas.microsoft.com/office/drawing/2010/main" xmlns="" w="9525">
+                <a14:hiddenLine xmlns="" xmlns:a14="http://schemas.microsoft.com/office/drawing/2010/main" w="9525">
                   <a:solidFill>
                     <a:srgbClr val="000000"/>
                   </a:solidFill>
@@ -23286,7 +23286,7 @@
             </a:ln>
             <a:extLst>
               <a:ext uri="{91240B29-F687-4f45-9708-019B960494DF}">
-                <a14:hiddenLine xmlns:a14="http://schemas.microsoft.com/office/drawing/2010/main" xmlns="" w="9525">
+                <a14:hiddenLine xmlns="" xmlns:a14="http://schemas.microsoft.com/office/drawing/2010/main" w="9525">
                   <a:solidFill>
                     <a:srgbClr val="000000"/>
                   </a:solidFill>
@@ -23473,7 +23473,7 @@
           </a:ln>
           <a:extLst>
             <a:ext uri="{91240B29-F687-4f45-9708-019B960494DF}">
-              <a14:hiddenLine xmlns:a14="http://schemas.microsoft.com/office/drawing/2010/main" xmlns="" w="9525">
+              <a14:hiddenLine xmlns="" xmlns:a14="http://schemas.microsoft.com/office/drawing/2010/main" w="9525">
                 <a:solidFill>
                   <a:srgbClr val="000000"/>
                 </a:solidFill>
@@ -23692,7 +23692,7 @@
           </a:ln>
           <a:extLst>
             <a:ext uri="{91240B29-F687-4f45-9708-019B960494DF}">
-              <a14:hiddenLine xmlns:a14="http://schemas.microsoft.com/office/drawing/2010/main" xmlns="" w="9525">
+              <a14:hiddenLine xmlns="" xmlns:a14="http://schemas.microsoft.com/office/drawing/2010/main" w="9525">
                 <a:solidFill>
                   <a:srgbClr val="000000"/>
                 </a:solidFill>
@@ -23901,7 +23901,7 @@
           </a:ln>
           <a:extLst>
             <a:ext uri="{91240B29-F687-4f45-9708-019B960494DF}">
-              <a14:hiddenLine xmlns:a14="http://schemas.microsoft.com/office/drawing/2010/main" xmlns="" w="9525">
+              <a14:hiddenLine xmlns="" xmlns:a14="http://schemas.microsoft.com/office/drawing/2010/main" w="9525">
                 <a:solidFill>
                   <a:srgbClr val="000000"/>
                 </a:solidFill>
@@ -24207,14 +24207,14 @@
             </a:ln>
             <a:extLst>
               <a:ext uri="{909E8E84-426E-40dd-AFC4-6F175D3DCCD1}">
-                <a14:hiddenFill xmlns:a14="http://schemas.microsoft.com/office/drawing/2010/main" xmlns="">
+                <a14:hiddenFill xmlns="" xmlns:a14="http://schemas.microsoft.com/office/drawing/2010/main">
                   <a:solidFill>
                     <a:srgbClr val="FFFFFF"/>
                   </a:solidFill>
                 </a14:hiddenFill>
               </a:ext>
               <a:ext uri="{91240B29-F687-4f45-9708-019B960494DF}">
-                <a14:hiddenLine xmlns:a14="http://schemas.microsoft.com/office/drawing/2010/main" xmlns="" w="9525">
+                <a14:hiddenLine xmlns="" xmlns:a14="http://schemas.microsoft.com/office/drawing/2010/main" w="9525">
                   <a:solidFill>
                     <a:srgbClr val="000000"/>
                   </a:solidFill>
@@ -24373,7 +24373,7 @@
             </a:ln>
             <a:extLst>
               <a:ext uri="{91240B29-F687-4f45-9708-019B960494DF}">
-                <a14:hiddenLine xmlns:a14="http://schemas.microsoft.com/office/drawing/2010/main" xmlns="" w="9525">
+                <a14:hiddenLine xmlns="" xmlns:a14="http://schemas.microsoft.com/office/drawing/2010/main" w="9525">
                   <a:solidFill>
                     <a:srgbClr val="000000"/>
                   </a:solidFill>
@@ -25280,14 +25280,14 @@
             </a:ln>
             <a:extLst>
               <a:ext uri="{909E8E84-426E-40dd-AFC4-6F175D3DCCD1}">
-                <a14:hiddenFill xmlns="" xmlns:a14="http://schemas.microsoft.com/office/drawing/2010/main">
+                <a14:hiddenFill xmlns:a14="http://schemas.microsoft.com/office/drawing/2010/main" xmlns="">
                   <a:solidFill>
                     <a:srgbClr val="FFFFFF"/>
                   </a:solidFill>
                 </a14:hiddenFill>
               </a:ext>
               <a:ext uri="{91240B29-F687-4f45-9708-019B960494DF}">
-                <a14:hiddenLine xmlns="" xmlns:a14="http://schemas.microsoft.com/office/drawing/2010/main" w="9525">
+                <a14:hiddenLine xmlns:a14="http://schemas.microsoft.com/office/drawing/2010/main" xmlns="" w="9525">
                   <a:solidFill>
                     <a:srgbClr val="000000"/>
                   </a:solidFill>
@@ -25347,14 +25347,14 @@
             </a:ln>
             <a:extLst>
               <a:ext uri="{909E8E84-426E-40dd-AFC4-6F175D3DCCD1}">
-                <a14:hiddenFill xmlns="" xmlns:a14="http://schemas.microsoft.com/office/drawing/2010/main">
+                <a14:hiddenFill xmlns:a14="http://schemas.microsoft.com/office/drawing/2010/main" xmlns="">
                   <a:solidFill>
                     <a:srgbClr val="FFFFFF"/>
                   </a:solidFill>
                 </a14:hiddenFill>
               </a:ext>
               <a:ext uri="{91240B29-F687-4f45-9708-019B960494DF}">
-                <a14:hiddenLine xmlns="" xmlns:a14="http://schemas.microsoft.com/office/drawing/2010/main" w="9525">
+                <a14:hiddenLine xmlns:a14="http://schemas.microsoft.com/office/drawing/2010/main" xmlns="" w="9525">
                   <a:solidFill>
                     <a:srgbClr val="000000"/>
                   </a:solidFill>
@@ -25414,14 +25414,14 @@
             </a:ln>
             <a:extLst>
               <a:ext uri="{909E8E84-426E-40dd-AFC4-6F175D3DCCD1}">
-                <a14:hiddenFill xmlns="" xmlns:a14="http://schemas.microsoft.com/office/drawing/2010/main">
+                <a14:hiddenFill xmlns:a14="http://schemas.microsoft.com/office/drawing/2010/main" xmlns="">
                   <a:solidFill>
                     <a:srgbClr val="FFFFFF"/>
                   </a:solidFill>
                 </a14:hiddenFill>
               </a:ext>
               <a:ext uri="{91240B29-F687-4f45-9708-019B960494DF}">
-                <a14:hiddenLine xmlns="" xmlns:a14="http://schemas.microsoft.com/office/drawing/2010/main" w="9525">
+                <a14:hiddenLine xmlns:a14="http://schemas.microsoft.com/office/drawing/2010/main" xmlns="" w="9525">
                   <a:solidFill>
                     <a:srgbClr val="000000"/>
                   </a:solidFill>
@@ -25481,14 +25481,14 @@
             </a:ln>
             <a:extLst>
               <a:ext uri="{909E8E84-426E-40dd-AFC4-6F175D3DCCD1}">
-                <a14:hiddenFill xmlns="" xmlns:a14="http://schemas.microsoft.com/office/drawing/2010/main">
+                <a14:hiddenFill xmlns:a14="http://schemas.microsoft.com/office/drawing/2010/main" xmlns="">
                   <a:solidFill>
                     <a:srgbClr val="FFFFFF"/>
                   </a:solidFill>
                 </a14:hiddenFill>
               </a:ext>
               <a:ext uri="{91240B29-F687-4f45-9708-019B960494DF}">
-                <a14:hiddenLine xmlns="" xmlns:a14="http://schemas.microsoft.com/office/drawing/2010/main" w="9525">
+                <a14:hiddenLine xmlns:a14="http://schemas.microsoft.com/office/drawing/2010/main" xmlns="" w="9525">
                   <a:solidFill>
                     <a:srgbClr val="000000"/>
                   </a:solidFill>
@@ -25569,14 +25569,14 @@
             </a:ln>
             <a:extLst>
               <a:ext uri="{909E8E84-426E-40dd-AFC4-6F175D3DCCD1}">
-                <a14:hiddenFill xmlns="" xmlns:a14="http://schemas.microsoft.com/office/drawing/2010/main">
+                <a14:hiddenFill xmlns:a14="http://schemas.microsoft.com/office/drawing/2010/main" xmlns="">
                   <a:solidFill>
                     <a:srgbClr val="FFFFFF"/>
                   </a:solidFill>
                 </a14:hiddenFill>
               </a:ext>
               <a:ext uri="{91240B29-F687-4f45-9708-019B960494DF}">
-                <a14:hiddenLine xmlns="" xmlns:a14="http://schemas.microsoft.com/office/drawing/2010/main" w="9525">
+                <a14:hiddenLine xmlns:a14="http://schemas.microsoft.com/office/drawing/2010/main" xmlns="" w="9525">
                   <a:solidFill>
                     <a:srgbClr val="000000"/>
                   </a:solidFill>
@@ -25636,14 +25636,14 @@
             </a:ln>
             <a:extLst>
               <a:ext uri="{909E8E84-426E-40dd-AFC4-6F175D3DCCD1}">
-                <a14:hiddenFill xmlns="" xmlns:a14="http://schemas.microsoft.com/office/drawing/2010/main">
+                <a14:hiddenFill xmlns:a14="http://schemas.microsoft.com/office/drawing/2010/main" xmlns="">
                   <a:solidFill>
                     <a:srgbClr val="FFFFFF"/>
                   </a:solidFill>
                 </a14:hiddenFill>
               </a:ext>
               <a:ext uri="{91240B29-F687-4f45-9708-019B960494DF}">
-                <a14:hiddenLine xmlns="" xmlns:a14="http://schemas.microsoft.com/office/drawing/2010/main" w="9525">
+                <a14:hiddenLine xmlns:a14="http://schemas.microsoft.com/office/drawing/2010/main" xmlns="" w="9525">
                   <a:solidFill>
                     <a:srgbClr val="000000"/>
                   </a:solidFill>
@@ -25703,14 +25703,14 @@
             </a:ln>
             <a:extLst>
               <a:ext uri="{909E8E84-426E-40dd-AFC4-6F175D3DCCD1}">
-                <a14:hiddenFill xmlns="" xmlns:a14="http://schemas.microsoft.com/office/drawing/2010/main">
+                <a14:hiddenFill xmlns:a14="http://schemas.microsoft.com/office/drawing/2010/main" xmlns="">
                   <a:solidFill>
                     <a:srgbClr val="FFFFFF"/>
                   </a:solidFill>
                 </a14:hiddenFill>
               </a:ext>
               <a:ext uri="{91240B29-F687-4f45-9708-019B960494DF}">
-                <a14:hiddenLine xmlns="" xmlns:a14="http://schemas.microsoft.com/office/drawing/2010/main" w="9525">
+                <a14:hiddenLine xmlns:a14="http://schemas.microsoft.com/office/drawing/2010/main" xmlns="" w="9525">
                   <a:solidFill>
                     <a:srgbClr val="000000"/>
                   </a:solidFill>
@@ -25770,14 +25770,14 @@
             </a:ln>
             <a:extLst>
               <a:ext uri="{909E8E84-426E-40dd-AFC4-6F175D3DCCD1}">
-                <a14:hiddenFill xmlns="" xmlns:a14="http://schemas.microsoft.com/office/drawing/2010/main">
+                <a14:hiddenFill xmlns:a14="http://schemas.microsoft.com/office/drawing/2010/main" xmlns="">
                   <a:solidFill>
                     <a:srgbClr val="FFFFFF"/>
                   </a:solidFill>
                 </a14:hiddenFill>
               </a:ext>
               <a:ext uri="{91240B29-F687-4f45-9708-019B960494DF}">
-                <a14:hiddenLine xmlns="" xmlns:a14="http://schemas.microsoft.com/office/drawing/2010/main" w="9525">
+                <a14:hiddenLine xmlns:a14="http://schemas.microsoft.com/office/drawing/2010/main" xmlns="" w="9525">
                   <a:solidFill>
                     <a:srgbClr val="000000"/>
                   </a:solidFill>
@@ -25993,7 +25993,7 @@
           </a:ln>
           <a:extLst>
             <a:ext uri="{91240B29-F687-4f45-9708-019B960494DF}">
-              <a14:hiddenLine xmlns="" xmlns:a14="http://schemas.microsoft.com/office/drawing/2010/main" w="9525">
+              <a14:hiddenLine xmlns:a14="http://schemas.microsoft.com/office/drawing/2010/main" xmlns="" w="9525">
                 <a:solidFill>
                   <a:srgbClr val="000000"/>
                 </a:solidFill>
@@ -26053,14 +26053,14 @@
           </a:ln>
           <a:extLst>
             <a:ext uri="{909E8E84-426E-40dd-AFC4-6F175D3DCCD1}">
-              <a14:hiddenFill xmlns="" xmlns:a14="http://schemas.microsoft.com/office/drawing/2010/main">
+              <a14:hiddenFill xmlns:a14="http://schemas.microsoft.com/office/drawing/2010/main" xmlns="">
                 <a:solidFill>
                   <a:srgbClr val="FFFFFF"/>
                 </a:solidFill>
               </a14:hiddenFill>
             </a:ext>
             <a:ext uri="{91240B29-F687-4f45-9708-019B960494DF}">
-              <a14:hiddenLine xmlns="" xmlns:a14="http://schemas.microsoft.com/office/drawing/2010/main" w="9525">
+              <a14:hiddenLine xmlns:a14="http://schemas.microsoft.com/office/drawing/2010/main" xmlns="" w="9525">
                 <a:solidFill>
                   <a:srgbClr val="000000"/>
                 </a:solidFill>
@@ -26189,7 +26189,7 @@
           </a:ln>
           <a:extLst>
             <a:ext uri="{91240B29-F687-4f45-9708-019B960494DF}">
-              <a14:hiddenLine xmlns="" xmlns:a14="http://schemas.microsoft.com/office/drawing/2010/main" w="9525">
+              <a14:hiddenLine xmlns:a14="http://schemas.microsoft.com/office/drawing/2010/main" xmlns="" w="9525">
                 <a:solidFill>
                   <a:srgbClr val="000000"/>
                 </a:solidFill>
@@ -26334,7 +26334,7 @@
           </a:ln>
           <a:extLst>
             <a:ext uri="{91240B29-F687-4f45-9708-019B960494DF}">
-              <a14:hiddenLine xmlns="" xmlns:a14="http://schemas.microsoft.com/office/drawing/2010/main" w="9525">
+              <a14:hiddenLine xmlns:a14="http://schemas.microsoft.com/office/drawing/2010/main" xmlns="" w="9525">
                 <a:solidFill>
                   <a:srgbClr val="000000"/>
                 </a:solidFill>
@@ -26543,7 +26543,7 @@
           </a:ln>
           <a:extLst>
             <a:ext uri="{91240B29-F687-4f45-9708-019B960494DF}">
-              <a14:hiddenLine xmlns="" xmlns:a14="http://schemas.microsoft.com/office/drawing/2010/main" w="9525">
+              <a14:hiddenLine xmlns:a14="http://schemas.microsoft.com/office/drawing/2010/main" xmlns="" w="9525">
                 <a:solidFill>
                   <a:srgbClr val="000000"/>
                 </a:solidFill>
@@ -26603,14 +26603,14 @@
           </a:ln>
           <a:extLst>
             <a:ext uri="{909E8E84-426E-40dd-AFC4-6F175D3DCCD1}">
-              <a14:hiddenFill xmlns="" xmlns:a14="http://schemas.microsoft.com/office/drawing/2010/main">
+              <a14:hiddenFill xmlns:a14="http://schemas.microsoft.com/office/drawing/2010/main" xmlns="">
                 <a:solidFill>
                   <a:srgbClr val="FFFFFF"/>
                 </a:solidFill>
               </a14:hiddenFill>
             </a:ext>
             <a:ext uri="{91240B29-F687-4f45-9708-019B960494DF}">
-              <a14:hiddenLine xmlns="" xmlns:a14="http://schemas.microsoft.com/office/drawing/2010/main" w="9525">
+              <a14:hiddenLine xmlns:a14="http://schemas.microsoft.com/office/drawing/2010/main" xmlns="" w="9525">
                 <a:solidFill>
                   <a:srgbClr val="000000"/>
                 </a:solidFill>
@@ -26769,7 +26769,7 @@
           </a:ln>
           <a:extLst>
             <a:ext uri="{91240B29-F687-4f45-9708-019B960494DF}">
-              <a14:hiddenLine xmlns="" xmlns:a14="http://schemas.microsoft.com/office/drawing/2010/main" w="9525">
+              <a14:hiddenLine xmlns:a14="http://schemas.microsoft.com/office/drawing/2010/main" xmlns="" w="9525">
                 <a:solidFill>
                   <a:srgbClr val="000000"/>
                 </a:solidFill>
@@ -26955,7 +26955,7 @@
           </a:ln>
           <a:extLst>
             <a:ext uri="{91240B29-F687-4f45-9708-019B960494DF}">
-              <a14:hiddenLine xmlns="" xmlns:a14="http://schemas.microsoft.com/office/drawing/2010/main" w="9525">
+              <a14:hiddenLine xmlns:a14="http://schemas.microsoft.com/office/drawing/2010/main" xmlns="" w="9525">
                 <a:solidFill>
                   <a:srgbClr val="000000"/>
                 </a:solidFill>
@@ -27174,7 +27174,7 @@
           </a:ln>
           <a:extLst>
             <a:ext uri="{91240B29-F687-4f45-9708-019B960494DF}">
-              <a14:hiddenLine xmlns="" xmlns:a14="http://schemas.microsoft.com/office/drawing/2010/main" w="9525">
+              <a14:hiddenLine xmlns:a14="http://schemas.microsoft.com/office/drawing/2010/main" xmlns="" w="9525">
                 <a:solidFill>
                   <a:srgbClr val="000000"/>
                 </a:solidFill>
@@ -27383,7 +27383,7 @@
           </a:ln>
           <a:extLst>
             <a:ext uri="{91240B29-F687-4f45-9708-019B960494DF}">
-              <a14:hiddenLine xmlns="" xmlns:a14="http://schemas.microsoft.com/office/drawing/2010/main" w="9525">
+              <a14:hiddenLine xmlns:a14="http://schemas.microsoft.com/office/drawing/2010/main" xmlns="" w="9525">
                 <a:solidFill>
                   <a:srgbClr val="000000"/>
                 </a:solidFill>
@@ -28181,14 +28181,14 @@
               </a:ln>
               <a:extLst>
                 <a:ext uri="{909E8E84-426E-40dd-AFC4-6F175D3DCCD1}">
-                  <a14:hiddenFill xmlns:a14="http://schemas.microsoft.com/office/drawing/2010/main" xmlns="">
+                  <a14:hiddenFill xmlns="" xmlns:a14="http://schemas.microsoft.com/office/drawing/2010/main">
                     <a:solidFill>
                       <a:srgbClr val="FFFFFF"/>
                     </a:solidFill>
                   </a14:hiddenFill>
                 </a:ext>
                 <a:ext uri="{91240B29-F687-4f45-9708-019B960494DF}">
-                  <a14:hiddenLine xmlns:a14="http://schemas.microsoft.com/office/drawing/2010/main" xmlns="" w="9525">
+                  <a14:hiddenLine xmlns="" xmlns:a14="http://schemas.microsoft.com/office/drawing/2010/main" w="9525">
                     <a:solidFill>
                       <a:srgbClr val="000000"/>
                     </a:solidFill>
@@ -29357,14 +29357,14 @@
               </a:ln>
               <a:extLst>
                 <a:ext uri="{909E8E84-426E-40dd-AFC4-6F175D3DCCD1}">
-                  <a14:hiddenFill xmlns:a14="http://schemas.microsoft.com/office/drawing/2010/main" xmlns="">
+                  <a14:hiddenFill xmlns="" xmlns:a14="http://schemas.microsoft.com/office/drawing/2010/main">
                     <a:solidFill>
                       <a:srgbClr val="FFFFFF"/>
                     </a:solidFill>
                   </a14:hiddenFill>
                 </a:ext>
                 <a:ext uri="{91240B29-F687-4f45-9708-019B960494DF}">
-                  <a14:hiddenLine xmlns:a14="http://schemas.microsoft.com/office/drawing/2010/main" xmlns="" w="9525">
+                  <a14:hiddenLine xmlns="" xmlns:a14="http://schemas.microsoft.com/office/drawing/2010/main" w="9525">
                     <a:solidFill>
                       <a:srgbClr val="000000"/>
                     </a:solidFill>
@@ -30101,7 +30101,7 @@
           </a:ln>
           <a:extLst>
             <a:ext uri="{91240B29-F687-4f45-9708-019B960494DF}">
-              <a14:hiddenLine xmlns:a14="http://schemas.microsoft.com/office/drawing/2010/main" xmlns="" w="9525">
+              <a14:hiddenLine xmlns="" xmlns:a14="http://schemas.microsoft.com/office/drawing/2010/main" w="9525">
                 <a:solidFill>
                   <a:srgbClr val="000000"/>
                 </a:solidFill>
@@ -30470,14 +30470,14 @@
             </a:ln>
             <a:extLst>
               <a:ext uri="{909E8E84-426E-40dd-AFC4-6F175D3DCCD1}">
-                <a14:hiddenFill xmlns="" xmlns:a14="http://schemas.microsoft.com/office/drawing/2010/main">
+                <a14:hiddenFill xmlns:a14="http://schemas.microsoft.com/office/drawing/2010/main" xmlns="">
                   <a:solidFill>
                     <a:srgbClr val="FFFFFF"/>
                   </a:solidFill>
                 </a14:hiddenFill>
               </a:ext>
               <a:ext uri="{91240B29-F687-4f45-9708-019B960494DF}">
-                <a14:hiddenLine xmlns="" xmlns:a14="http://schemas.microsoft.com/office/drawing/2010/main" w="9525">
+                <a14:hiddenLine xmlns:a14="http://schemas.microsoft.com/office/drawing/2010/main" xmlns="" w="9525">
                   <a:solidFill>
                     <a:srgbClr val="000000"/>
                   </a:solidFill>
@@ -30537,14 +30537,14 @@
             </a:ln>
             <a:extLst>
               <a:ext uri="{909E8E84-426E-40dd-AFC4-6F175D3DCCD1}">
-                <a14:hiddenFill xmlns="" xmlns:a14="http://schemas.microsoft.com/office/drawing/2010/main">
+                <a14:hiddenFill xmlns:a14="http://schemas.microsoft.com/office/drawing/2010/main" xmlns="">
                   <a:solidFill>
                     <a:srgbClr val="FFFFFF"/>
                   </a:solidFill>
                 </a14:hiddenFill>
               </a:ext>
               <a:ext uri="{91240B29-F687-4f45-9708-019B960494DF}">
-                <a14:hiddenLine xmlns="" xmlns:a14="http://schemas.microsoft.com/office/drawing/2010/main" w="9525">
+                <a14:hiddenLine xmlns:a14="http://schemas.microsoft.com/office/drawing/2010/main" xmlns="" w="9525">
                   <a:solidFill>
                     <a:srgbClr val="000000"/>
                   </a:solidFill>
@@ -30604,14 +30604,14 @@
             </a:ln>
             <a:extLst>
               <a:ext uri="{909E8E84-426E-40dd-AFC4-6F175D3DCCD1}">
-                <a14:hiddenFill xmlns="" xmlns:a14="http://schemas.microsoft.com/office/drawing/2010/main">
+                <a14:hiddenFill xmlns:a14="http://schemas.microsoft.com/office/drawing/2010/main" xmlns="">
                   <a:solidFill>
                     <a:srgbClr val="FFFFFF"/>
                   </a:solidFill>
                 </a14:hiddenFill>
               </a:ext>
               <a:ext uri="{91240B29-F687-4f45-9708-019B960494DF}">
-                <a14:hiddenLine xmlns="" xmlns:a14="http://schemas.microsoft.com/office/drawing/2010/main" w="9525">
+                <a14:hiddenLine xmlns:a14="http://schemas.microsoft.com/office/drawing/2010/main" xmlns="" w="9525">
                   <a:solidFill>
                     <a:srgbClr val="000000"/>
                   </a:solidFill>
@@ -30671,14 +30671,14 @@
             </a:ln>
             <a:extLst>
               <a:ext uri="{909E8E84-426E-40dd-AFC4-6F175D3DCCD1}">
-                <a14:hiddenFill xmlns="" xmlns:a14="http://schemas.microsoft.com/office/drawing/2010/main">
+                <a14:hiddenFill xmlns:a14="http://schemas.microsoft.com/office/drawing/2010/main" xmlns="">
                   <a:solidFill>
                     <a:srgbClr val="FFFFFF"/>
                   </a:solidFill>
                 </a14:hiddenFill>
               </a:ext>
               <a:ext uri="{91240B29-F687-4f45-9708-019B960494DF}">
-                <a14:hiddenLine xmlns="" xmlns:a14="http://schemas.microsoft.com/office/drawing/2010/main" w="9525">
+                <a14:hiddenLine xmlns:a14="http://schemas.microsoft.com/office/drawing/2010/main" xmlns="" w="9525">
                   <a:solidFill>
                     <a:srgbClr val="000000"/>
                   </a:solidFill>
@@ -30759,14 +30759,14 @@
             </a:ln>
             <a:extLst>
               <a:ext uri="{909E8E84-426E-40dd-AFC4-6F175D3DCCD1}">
-                <a14:hiddenFill xmlns="" xmlns:a14="http://schemas.microsoft.com/office/drawing/2010/main">
+                <a14:hiddenFill xmlns:a14="http://schemas.microsoft.com/office/drawing/2010/main" xmlns="">
                   <a:solidFill>
                     <a:srgbClr val="FFFFFF"/>
                   </a:solidFill>
                 </a14:hiddenFill>
               </a:ext>
               <a:ext uri="{91240B29-F687-4f45-9708-019B960494DF}">
-                <a14:hiddenLine xmlns="" xmlns:a14="http://schemas.microsoft.com/office/drawing/2010/main" w="9525">
+                <a14:hiddenLine xmlns:a14="http://schemas.microsoft.com/office/drawing/2010/main" xmlns="" w="9525">
                   <a:solidFill>
                     <a:srgbClr val="000000"/>
                   </a:solidFill>
@@ -30826,14 +30826,14 @@
             </a:ln>
             <a:extLst>
               <a:ext uri="{909E8E84-426E-40dd-AFC4-6F175D3DCCD1}">
-                <a14:hiddenFill xmlns="" xmlns:a14="http://schemas.microsoft.com/office/drawing/2010/main">
+                <a14:hiddenFill xmlns:a14="http://schemas.microsoft.com/office/drawing/2010/main" xmlns="">
                   <a:solidFill>
                     <a:srgbClr val="FFFFFF"/>
                   </a:solidFill>
                 </a14:hiddenFill>
               </a:ext>
               <a:ext uri="{91240B29-F687-4f45-9708-019B960494DF}">
-                <a14:hiddenLine xmlns="" xmlns:a14="http://schemas.microsoft.com/office/drawing/2010/main" w="9525">
+                <a14:hiddenLine xmlns:a14="http://schemas.microsoft.com/office/drawing/2010/main" xmlns="" w="9525">
                   <a:solidFill>
                     <a:srgbClr val="000000"/>
                   </a:solidFill>
@@ -30893,14 +30893,14 @@
             </a:ln>
             <a:extLst>
               <a:ext uri="{909E8E84-426E-40dd-AFC4-6F175D3DCCD1}">
-                <a14:hiddenFill xmlns="" xmlns:a14="http://schemas.microsoft.com/office/drawing/2010/main">
+                <a14:hiddenFill xmlns:a14="http://schemas.microsoft.com/office/drawing/2010/main" xmlns="">
                   <a:solidFill>
                     <a:srgbClr val="FFFFFF"/>
                   </a:solidFill>
                 </a14:hiddenFill>
               </a:ext>
               <a:ext uri="{91240B29-F687-4f45-9708-019B960494DF}">
-                <a14:hiddenLine xmlns="" xmlns:a14="http://schemas.microsoft.com/office/drawing/2010/main" w="9525">
+                <a14:hiddenLine xmlns:a14="http://schemas.microsoft.com/office/drawing/2010/main" xmlns="" w="9525">
                   <a:solidFill>
                     <a:srgbClr val="000000"/>
                   </a:solidFill>
@@ -30960,14 +30960,14 @@
             </a:ln>
             <a:extLst>
               <a:ext uri="{909E8E84-426E-40dd-AFC4-6F175D3DCCD1}">
-                <a14:hiddenFill xmlns="" xmlns:a14="http://schemas.microsoft.com/office/drawing/2010/main">
+                <a14:hiddenFill xmlns:a14="http://schemas.microsoft.com/office/drawing/2010/main" xmlns="">
                   <a:solidFill>
                     <a:srgbClr val="FFFFFF"/>
                   </a:solidFill>
                 </a14:hiddenFill>
               </a:ext>
               <a:ext uri="{91240B29-F687-4f45-9708-019B960494DF}">
-                <a14:hiddenLine xmlns="" xmlns:a14="http://schemas.microsoft.com/office/drawing/2010/main" w="9525">
+                <a14:hiddenLine xmlns:a14="http://schemas.microsoft.com/office/drawing/2010/main" xmlns="" w="9525">
                   <a:solidFill>
                     <a:srgbClr val="000000"/>
                   </a:solidFill>
@@ -31183,7 +31183,7 @@
           </a:ln>
           <a:extLst>
             <a:ext uri="{91240B29-F687-4f45-9708-019B960494DF}">
-              <a14:hiddenLine xmlns="" xmlns:a14="http://schemas.microsoft.com/office/drawing/2010/main" w="9525">
+              <a14:hiddenLine xmlns:a14="http://schemas.microsoft.com/office/drawing/2010/main" xmlns="" w="9525">
                 <a:solidFill>
                   <a:srgbClr val="000000"/>
                 </a:solidFill>
@@ -31243,14 +31243,14 @@
           </a:ln>
           <a:extLst>
             <a:ext uri="{909E8E84-426E-40dd-AFC4-6F175D3DCCD1}">
-              <a14:hiddenFill xmlns="" xmlns:a14="http://schemas.microsoft.com/office/drawing/2010/main">
+              <a14:hiddenFill xmlns:a14="http://schemas.microsoft.com/office/drawing/2010/main" xmlns="">
                 <a:solidFill>
                   <a:srgbClr val="FFFFFF"/>
                 </a:solidFill>
               </a14:hiddenFill>
             </a:ext>
             <a:ext uri="{91240B29-F687-4f45-9708-019B960494DF}">
-              <a14:hiddenLine xmlns="" xmlns:a14="http://schemas.microsoft.com/office/drawing/2010/main" w="9525">
+              <a14:hiddenLine xmlns:a14="http://schemas.microsoft.com/office/drawing/2010/main" xmlns="" w="9525">
                 <a:solidFill>
                   <a:srgbClr val="000000"/>
                 </a:solidFill>
@@ -31379,7 +31379,7 @@
           </a:ln>
           <a:extLst>
             <a:ext uri="{91240B29-F687-4f45-9708-019B960494DF}">
-              <a14:hiddenLine xmlns="" xmlns:a14="http://schemas.microsoft.com/office/drawing/2010/main" w="9525">
+              <a14:hiddenLine xmlns:a14="http://schemas.microsoft.com/office/drawing/2010/main" xmlns="" w="9525">
                 <a:solidFill>
                   <a:srgbClr val="000000"/>
                 </a:solidFill>
@@ -31524,7 +31524,7 @@
           </a:ln>
           <a:extLst>
             <a:ext uri="{91240B29-F687-4f45-9708-019B960494DF}">
-              <a14:hiddenLine xmlns="" xmlns:a14="http://schemas.microsoft.com/office/drawing/2010/main" w="9525">
+              <a14:hiddenLine xmlns:a14="http://schemas.microsoft.com/office/drawing/2010/main" xmlns="" w="9525">
                 <a:solidFill>
                   <a:srgbClr val="000000"/>
                 </a:solidFill>
@@ -31733,7 +31733,7 @@
           </a:ln>
           <a:extLst>
             <a:ext uri="{91240B29-F687-4f45-9708-019B960494DF}">
-              <a14:hiddenLine xmlns="" xmlns:a14="http://schemas.microsoft.com/office/drawing/2010/main" w="9525">
+              <a14:hiddenLine xmlns:a14="http://schemas.microsoft.com/office/drawing/2010/main" xmlns="" w="9525">
                 <a:solidFill>
                   <a:srgbClr val="000000"/>
                 </a:solidFill>
@@ -31793,14 +31793,14 @@
           </a:ln>
           <a:extLst>
             <a:ext uri="{909E8E84-426E-40dd-AFC4-6F175D3DCCD1}">
-              <a14:hiddenFill xmlns="" xmlns:a14="http://schemas.microsoft.com/office/drawing/2010/main">
+              <a14:hiddenFill xmlns:a14="http://schemas.microsoft.com/office/drawing/2010/main" xmlns="">
                 <a:solidFill>
                   <a:srgbClr val="FFFFFF"/>
                 </a:solidFill>
               </a14:hiddenFill>
             </a:ext>
             <a:ext uri="{91240B29-F687-4f45-9708-019B960494DF}">
-              <a14:hiddenLine xmlns="" xmlns:a14="http://schemas.microsoft.com/office/drawing/2010/main" w="9525">
+              <a14:hiddenLine xmlns:a14="http://schemas.microsoft.com/office/drawing/2010/main" xmlns="" w="9525">
                 <a:solidFill>
                   <a:srgbClr val="000000"/>
                 </a:solidFill>
@@ -31959,7 +31959,7 @@
           </a:ln>
           <a:extLst>
             <a:ext uri="{91240B29-F687-4f45-9708-019B960494DF}">
-              <a14:hiddenLine xmlns="" xmlns:a14="http://schemas.microsoft.com/office/drawing/2010/main" w="9525">
+              <a14:hiddenLine xmlns:a14="http://schemas.microsoft.com/office/drawing/2010/main" xmlns="" w="9525">
                 <a:solidFill>
                   <a:srgbClr val="000000"/>
                 </a:solidFill>
@@ -32145,7 +32145,7 @@
           </a:ln>
           <a:extLst>
             <a:ext uri="{91240B29-F687-4f45-9708-019B960494DF}">
-              <a14:hiddenLine xmlns="" xmlns:a14="http://schemas.microsoft.com/office/drawing/2010/main" w="9525">
+              <a14:hiddenLine xmlns:a14="http://schemas.microsoft.com/office/drawing/2010/main" xmlns="" w="9525">
                 <a:solidFill>
                   <a:srgbClr val="000000"/>
                 </a:solidFill>
@@ -32364,7 +32364,7 @@
           </a:ln>
           <a:extLst>
             <a:ext uri="{91240B29-F687-4f45-9708-019B960494DF}">
-              <a14:hiddenLine xmlns="" xmlns:a14="http://schemas.microsoft.com/office/drawing/2010/main" w="9525">
+              <a14:hiddenLine xmlns:a14="http://schemas.microsoft.com/office/drawing/2010/main" xmlns="" w="9525">
                 <a:solidFill>
                   <a:srgbClr val="000000"/>
                 </a:solidFill>
@@ -32573,7 +32573,7 @@
           </a:ln>
           <a:extLst>
             <a:ext uri="{91240B29-F687-4f45-9708-019B960494DF}">
-              <a14:hiddenLine xmlns="" xmlns:a14="http://schemas.microsoft.com/office/drawing/2010/main" w="9525">
+              <a14:hiddenLine xmlns:a14="http://schemas.microsoft.com/office/drawing/2010/main" xmlns="" w="9525">
                 <a:solidFill>
                   <a:srgbClr val="000000"/>
                 </a:solidFill>
@@ -33407,14 +33407,14 @@
               </a:ln>
               <a:extLst>
                 <a:ext uri="{909E8E84-426E-40dd-AFC4-6F175D3DCCD1}">
-                  <a14:hiddenFill xmlns:a14="http://schemas.microsoft.com/office/drawing/2010/main" xmlns="">
+                  <a14:hiddenFill xmlns="" xmlns:a14="http://schemas.microsoft.com/office/drawing/2010/main">
                     <a:solidFill>
                       <a:srgbClr val="FFFFFF"/>
                     </a:solidFill>
                   </a14:hiddenFill>
                 </a:ext>
                 <a:ext uri="{91240B29-F687-4f45-9708-019B960494DF}">
-                  <a14:hiddenLine xmlns:a14="http://schemas.microsoft.com/office/drawing/2010/main" xmlns="" w="9525">
+                  <a14:hiddenLine xmlns="" xmlns:a14="http://schemas.microsoft.com/office/drawing/2010/main" w="9525">
                     <a:solidFill>
                       <a:srgbClr val="000000"/>
                     </a:solidFill>
@@ -34583,14 +34583,14 @@
               </a:ln>
               <a:extLst>
                 <a:ext uri="{909E8E84-426E-40dd-AFC4-6F175D3DCCD1}">
-                  <a14:hiddenFill xmlns:a14="http://schemas.microsoft.com/office/drawing/2010/main" xmlns="">
+                  <a14:hiddenFill xmlns="" xmlns:a14="http://schemas.microsoft.com/office/drawing/2010/main">
                     <a:solidFill>
                       <a:srgbClr val="FFFFFF"/>
                     </a:solidFill>
                   </a14:hiddenFill>
                 </a:ext>
                 <a:ext uri="{91240B29-F687-4f45-9708-019B960494DF}">
-                  <a14:hiddenLine xmlns:a14="http://schemas.microsoft.com/office/drawing/2010/main" xmlns="" w="9525">
+                  <a14:hiddenLine xmlns="" xmlns:a14="http://schemas.microsoft.com/office/drawing/2010/main" w="9525">
                     <a:solidFill>
                       <a:srgbClr val="000000"/>
                     </a:solidFill>
@@ -35347,7 +35347,7 @@
             </a:ln>
             <a:extLst>
               <a:ext uri="{91240B29-F687-4f45-9708-019B960494DF}">
-                <a14:hiddenLine xmlns:a14="http://schemas.microsoft.com/office/drawing/2010/main" xmlns="" w="9525">
+                <a14:hiddenLine xmlns="" xmlns:a14="http://schemas.microsoft.com/office/drawing/2010/main" w="9525">
                   <a:solidFill>
                     <a:srgbClr val="000000"/>
                   </a:solidFill>
@@ -35785,7 +35785,7 @@
                 </a:ln>
                 <a:extLst>
                   <a:ext uri="{91240B29-F687-4f45-9708-019B960494DF}">
-                    <a14:hiddenLine xmlns="" xmlns:a14="http://schemas.microsoft.com/office/drawing/2010/main" w="9525">
+                    <a14:hiddenLine xmlns:a14="http://schemas.microsoft.com/office/drawing/2010/main" xmlns="" w="9525">
                       <a:solidFill>
                         <a:srgbClr val="000000"/>
                       </a:solidFill>
@@ -35938,7 +35938,7 @@
                 </a:ln>
                 <a:extLst>
                   <a:ext uri="{91240B29-F687-4f45-9708-019B960494DF}">
-                    <a14:hiddenLine xmlns="" xmlns:a14="http://schemas.microsoft.com/office/drawing/2010/main" w="9525">
+                    <a14:hiddenLine xmlns:a14="http://schemas.microsoft.com/office/drawing/2010/main" xmlns="" w="9525">
                       <a:solidFill>
                         <a:srgbClr val="000000"/>
                       </a:solidFill>
@@ -36091,7 +36091,7 @@
                 </a:ln>
                 <a:extLst>
                   <a:ext uri="{91240B29-F687-4f45-9708-019B960494DF}">
-                    <a14:hiddenLine xmlns="" xmlns:a14="http://schemas.microsoft.com/office/drawing/2010/main" w="9525">
+                    <a14:hiddenLine xmlns:a14="http://schemas.microsoft.com/office/drawing/2010/main" xmlns="" w="9525">
                       <a:solidFill>
                         <a:srgbClr val="000000"/>
                       </a:solidFill>
@@ -36244,7 +36244,7 @@
                 </a:ln>
                 <a:extLst>
                   <a:ext uri="{91240B29-F687-4f45-9708-019B960494DF}">
-                    <a14:hiddenLine xmlns="" xmlns:a14="http://schemas.microsoft.com/office/drawing/2010/main" w="9525">
+                    <a14:hiddenLine xmlns:a14="http://schemas.microsoft.com/office/drawing/2010/main" xmlns="" w="9525">
                       <a:solidFill>
                         <a:srgbClr val="000000"/>
                       </a:solidFill>
@@ -36397,7 +36397,7 @@
                 </a:ln>
                 <a:extLst>
                   <a:ext uri="{91240B29-F687-4f45-9708-019B960494DF}">
-                    <a14:hiddenLine xmlns="" xmlns:a14="http://schemas.microsoft.com/office/drawing/2010/main" w="9525">
+                    <a14:hiddenLine xmlns:a14="http://schemas.microsoft.com/office/drawing/2010/main" xmlns="" w="9525">
                       <a:solidFill>
                         <a:srgbClr val="000000"/>
                       </a:solidFill>
@@ -36550,7 +36550,7 @@
                 </a:ln>
                 <a:extLst>
                   <a:ext uri="{91240B29-F687-4f45-9708-019B960494DF}">
-                    <a14:hiddenLine xmlns="" xmlns:a14="http://schemas.microsoft.com/office/drawing/2010/main" w="9525">
+                    <a14:hiddenLine xmlns:a14="http://schemas.microsoft.com/office/drawing/2010/main" xmlns="" w="9525">
                       <a:solidFill>
                         <a:srgbClr val="000000"/>
                       </a:solidFill>
@@ -36703,7 +36703,7 @@
                 </a:ln>
                 <a:extLst>
                   <a:ext uri="{91240B29-F687-4f45-9708-019B960494DF}">
-                    <a14:hiddenLine xmlns="" xmlns:a14="http://schemas.microsoft.com/office/drawing/2010/main" w="9525">
+                    <a14:hiddenLine xmlns:a14="http://schemas.microsoft.com/office/drawing/2010/main" xmlns="" w="9525">
                       <a:solidFill>
                         <a:srgbClr val="000000"/>
                       </a:solidFill>
@@ -36856,7 +36856,7 @@
                 </a:ln>
                 <a:extLst>
                   <a:ext uri="{91240B29-F687-4f45-9708-019B960494DF}">
-                    <a14:hiddenLine xmlns="" xmlns:a14="http://schemas.microsoft.com/office/drawing/2010/main" w="9525">
+                    <a14:hiddenLine xmlns:a14="http://schemas.microsoft.com/office/drawing/2010/main" xmlns="" w="9525">
                       <a:solidFill>
                         <a:srgbClr val="000000"/>
                       </a:solidFill>
@@ -37009,7 +37009,7 @@
                 </a:ln>
                 <a:extLst>
                   <a:ext uri="{91240B29-F687-4f45-9708-019B960494DF}">
-                    <a14:hiddenLine xmlns="" xmlns:a14="http://schemas.microsoft.com/office/drawing/2010/main" w="9525">
+                    <a14:hiddenLine xmlns:a14="http://schemas.microsoft.com/office/drawing/2010/main" xmlns="" w="9525">
                       <a:solidFill>
                         <a:srgbClr val="000000"/>
                       </a:solidFill>
@@ -37162,7 +37162,7 @@
                 </a:ln>
                 <a:extLst>
                   <a:ext uri="{91240B29-F687-4f45-9708-019B960494DF}">
-                    <a14:hiddenLine xmlns="" xmlns:a14="http://schemas.microsoft.com/office/drawing/2010/main" w="9525">
+                    <a14:hiddenLine xmlns:a14="http://schemas.microsoft.com/office/drawing/2010/main" xmlns="" w="9525">
                       <a:solidFill>
                         <a:srgbClr val="000000"/>
                       </a:solidFill>
@@ -37315,7 +37315,7 @@
                 </a:ln>
                 <a:extLst>
                   <a:ext uri="{91240B29-F687-4f45-9708-019B960494DF}">
-                    <a14:hiddenLine xmlns="" xmlns:a14="http://schemas.microsoft.com/office/drawing/2010/main" w="9525">
+                    <a14:hiddenLine xmlns:a14="http://schemas.microsoft.com/office/drawing/2010/main" xmlns="" w="9525">
                       <a:solidFill>
                         <a:srgbClr val="000000"/>
                       </a:solidFill>
@@ -37468,7 +37468,7 @@
                 </a:ln>
                 <a:extLst>
                   <a:ext uri="{91240B29-F687-4f45-9708-019B960494DF}">
-                    <a14:hiddenLine xmlns="" xmlns:a14="http://schemas.microsoft.com/office/drawing/2010/main" w="9525">
+                    <a14:hiddenLine xmlns:a14="http://schemas.microsoft.com/office/drawing/2010/main" xmlns="" w="9525">
                       <a:solidFill>
                         <a:srgbClr val="000000"/>
                       </a:solidFill>
@@ -37792,7 +37792,7 @@
           </a:ln>
           <a:extLst>
             <a:ext uri="{91240B29-F687-4f45-9708-019B960494DF}">
-              <a14:hiddenLine xmlns:a14="http://schemas.microsoft.com/office/drawing/2010/main" xmlns="" w="9525">
+              <a14:hiddenLine xmlns="" xmlns:a14="http://schemas.microsoft.com/office/drawing/2010/main" w="9525">
                 <a:solidFill>
                   <a:srgbClr val="000000"/>
                 </a:solidFill>
@@ -38178,7 +38178,7 @@
           </a:ln>
           <a:extLst>
             <a:ext uri="{91240B29-F687-4f45-9708-019B960494DF}">
-              <a14:hiddenLine xmlns:a14="http://schemas.microsoft.com/office/drawing/2010/main" xmlns="" w="9525">
+              <a14:hiddenLine xmlns="" xmlns:a14="http://schemas.microsoft.com/office/drawing/2010/main" w="9525">
                 <a:solidFill>
                   <a:srgbClr val="000000"/>
                 </a:solidFill>
@@ -38460,7 +38460,7 @@
           </a:ln>
           <a:extLst>
             <a:ext uri="{91240B29-F687-4f45-9708-019B960494DF}">
-              <a14:hiddenLine xmlns:a14="http://schemas.microsoft.com/office/drawing/2010/main" xmlns="" w="9525">
+              <a14:hiddenLine xmlns="" xmlns:a14="http://schemas.microsoft.com/office/drawing/2010/main" w="9525">
                 <a:solidFill>
                   <a:srgbClr val="000000"/>
                 </a:solidFill>
@@ -40396,14 +40396,14 @@
             </a:ln>
             <a:extLst>
               <a:ext uri="{909E8E84-426E-40dd-AFC4-6F175D3DCCD1}">
-                <a14:hiddenFill xmlns="" xmlns:a14="http://schemas.microsoft.com/office/drawing/2010/main">
+                <a14:hiddenFill xmlns:a14="http://schemas.microsoft.com/office/drawing/2010/main" xmlns="">
                   <a:solidFill>
                     <a:srgbClr val="FFFFFF"/>
                   </a:solidFill>
                 </a14:hiddenFill>
               </a:ext>
               <a:ext uri="{91240B29-F687-4f45-9708-019B960494DF}">
-                <a14:hiddenLine xmlns="" xmlns:a14="http://schemas.microsoft.com/office/drawing/2010/main" w="9525">
+                <a14:hiddenLine xmlns:a14="http://schemas.microsoft.com/office/drawing/2010/main" xmlns="" w="9525">
                   <a:solidFill>
                     <a:srgbClr val="000000"/>
                   </a:solidFill>
@@ -40559,7 +40559,7 @@
             </a:ln>
             <a:extLst>
               <a:ext uri="{91240B29-F687-4f45-9708-019B960494DF}">
-                <a14:hiddenLine xmlns="" xmlns:a14="http://schemas.microsoft.com/office/drawing/2010/main" w="9525">
+                <a14:hiddenLine xmlns:a14="http://schemas.microsoft.com/office/drawing/2010/main" xmlns="" w="9525">
                   <a:solidFill>
                     <a:srgbClr val="000000"/>
                   </a:solidFill>
@@ -40639,14 +40639,14 @@
             </a:ln>
             <a:extLst>
               <a:ext uri="{909E8E84-426E-40dd-AFC4-6F175D3DCCD1}">
-                <a14:hiddenFill xmlns:a14="http://schemas.microsoft.com/office/drawing/2010/main" xmlns="">
+                <a14:hiddenFill xmlns="" xmlns:a14="http://schemas.microsoft.com/office/drawing/2010/main">
                   <a:solidFill>
                     <a:srgbClr val="FFFFFF"/>
                   </a:solidFill>
                 </a14:hiddenFill>
               </a:ext>
               <a:ext uri="{91240B29-F687-4f45-9708-019B960494DF}">
-                <a14:hiddenLine xmlns:a14="http://schemas.microsoft.com/office/drawing/2010/main" xmlns="" w="9525">
+                <a14:hiddenLine xmlns="" xmlns:a14="http://schemas.microsoft.com/office/drawing/2010/main" w="9525">
                   <a:solidFill>
                     <a:srgbClr val="000000"/>
                   </a:solidFill>
@@ -40805,7 +40805,7 @@
             </a:ln>
             <a:extLst>
               <a:ext uri="{91240B29-F687-4f45-9708-019B960494DF}">
-                <a14:hiddenLine xmlns:a14="http://schemas.microsoft.com/office/drawing/2010/main" xmlns="" w="9525">
+                <a14:hiddenLine xmlns="" xmlns:a14="http://schemas.microsoft.com/office/drawing/2010/main" w="9525">
                   <a:solidFill>
                     <a:srgbClr val="000000"/>
                   </a:solidFill>
@@ -40991,7 +40991,7 @@
             </a:ln>
             <a:extLst>
               <a:ext uri="{91240B29-F687-4f45-9708-019B960494DF}">
-                <a14:hiddenLine xmlns:a14="http://schemas.microsoft.com/office/drawing/2010/main" xmlns="" w="9525">
+                <a14:hiddenLine xmlns="" xmlns:a14="http://schemas.microsoft.com/office/drawing/2010/main" w="9525">
                   <a:solidFill>
                     <a:srgbClr val="000000"/>
                   </a:solidFill>
@@ -41210,7 +41210,7 @@
             </a:ln>
             <a:extLst>
               <a:ext uri="{91240B29-F687-4f45-9708-019B960494DF}">
-                <a14:hiddenLine xmlns:a14="http://schemas.microsoft.com/office/drawing/2010/main" xmlns="" w="9525">
+                <a14:hiddenLine xmlns="" xmlns:a14="http://schemas.microsoft.com/office/drawing/2010/main" w="9525">
                   <a:solidFill>
                     <a:srgbClr val="000000"/>
                   </a:solidFill>
@@ -41419,7 +41419,7 @@
             </a:ln>
             <a:extLst>
               <a:ext uri="{91240B29-F687-4f45-9708-019B960494DF}">
-                <a14:hiddenLine xmlns:a14="http://schemas.microsoft.com/office/drawing/2010/main" xmlns="" w="9525">
+                <a14:hiddenLine xmlns="" xmlns:a14="http://schemas.microsoft.com/office/drawing/2010/main" w="9525">
                   <a:solidFill>
                     <a:srgbClr val="000000"/>
                   </a:solidFill>
@@ -41500,14 +41500,14 @@
             </a:ln>
             <a:extLst>
               <a:ext uri="{909E8E84-426E-40dd-AFC4-6F175D3DCCD1}">
-                <a14:hiddenFill xmlns="" xmlns:a14="http://schemas.microsoft.com/office/drawing/2010/main">
+                <a14:hiddenFill xmlns:a14="http://schemas.microsoft.com/office/drawing/2010/main" xmlns="">
                   <a:solidFill>
                     <a:srgbClr val="FFFFFF"/>
                   </a:solidFill>
                 </a14:hiddenFill>
               </a:ext>
               <a:ext uri="{91240B29-F687-4f45-9708-019B960494DF}">
-                <a14:hiddenLine xmlns="" xmlns:a14="http://schemas.microsoft.com/office/drawing/2010/main" w="9525">
+                <a14:hiddenLine xmlns:a14="http://schemas.microsoft.com/office/drawing/2010/main" xmlns="" w="9525">
                   <a:solidFill>
                     <a:srgbClr val="000000"/>
                   </a:solidFill>
@@ -41663,7 +41663,7 @@
             </a:ln>
             <a:extLst>
               <a:ext uri="{91240B29-F687-4f45-9708-019B960494DF}">
-                <a14:hiddenLine xmlns="" xmlns:a14="http://schemas.microsoft.com/office/drawing/2010/main" w="9525">
+                <a14:hiddenLine xmlns:a14="http://schemas.microsoft.com/office/drawing/2010/main" xmlns="" w="9525">
                   <a:solidFill>
                     <a:srgbClr val="000000"/>
                   </a:solidFill>
@@ -41818,14 +41818,14 @@
             </a:ln>
             <a:extLst>
               <a:ext uri="{909E8E84-426E-40dd-AFC4-6F175D3DCCD1}">
-                <a14:hiddenFill xmlns:a14="http://schemas.microsoft.com/office/drawing/2010/main" xmlns="">
+                <a14:hiddenFill xmlns="" xmlns:a14="http://schemas.microsoft.com/office/drawing/2010/main">
                   <a:solidFill>
                     <a:srgbClr val="FFFFFF"/>
                   </a:solidFill>
                 </a14:hiddenFill>
               </a:ext>
               <a:ext uri="{91240B29-F687-4f45-9708-019B960494DF}">
-                <a14:hiddenLine xmlns:a14="http://schemas.microsoft.com/office/drawing/2010/main" xmlns="" w="9525">
+                <a14:hiddenLine xmlns="" xmlns:a14="http://schemas.microsoft.com/office/drawing/2010/main" w="9525">
                   <a:solidFill>
                     <a:srgbClr val="000000"/>
                   </a:solidFill>
@@ -41984,7 +41984,7 @@
             </a:ln>
             <a:extLst>
               <a:ext uri="{91240B29-F687-4f45-9708-019B960494DF}">
-                <a14:hiddenLine xmlns:a14="http://schemas.microsoft.com/office/drawing/2010/main" xmlns="" w="9525">
+                <a14:hiddenLine xmlns="" xmlns:a14="http://schemas.microsoft.com/office/drawing/2010/main" w="9525">
                   <a:solidFill>
                     <a:srgbClr val="000000"/>
                   </a:solidFill>
@@ -42170,7 +42170,7 @@
             </a:ln>
             <a:extLst>
               <a:ext uri="{91240B29-F687-4f45-9708-019B960494DF}">
-                <a14:hiddenLine xmlns:a14="http://schemas.microsoft.com/office/drawing/2010/main" xmlns="" w="9525">
+                <a14:hiddenLine xmlns="" xmlns:a14="http://schemas.microsoft.com/office/drawing/2010/main" w="9525">
                   <a:solidFill>
                     <a:srgbClr val="000000"/>
                   </a:solidFill>
@@ -42376,7 +42376,7 @@
             </a:ln>
             <a:extLst>
               <a:ext uri="{91240B29-F687-4f45-9708-019B960494DF}">
-                <a14:hiddenLine xmlns:a14="http://schemas.microsoft.com/office/drawing/2010/main" xmlns="" w="9525">
+                <a14:hiddenLine xmlns="" xmlns:a14="http://schemas.microsoft.com/office/drawing/2010/main" w="9525">
                   <a:solidFill>
                     <a:srgbClr val="000000"/>
                   </a:solidFill>
@@ -42585,7 +42585,7 @@
             </a:ln>
             <a:extLst>
               <a:ext uri="{91240B29-F687-4f45-9708-019B960494DF}">
-                <a14:hiddenLine xmlns:a14="http://schemas.microsoft.com/office/drawing/2010/main" xmlns="" w="9525">
+                <a14:hiddenLine xmlns="" xmlns:a14="http://schemas.microsoft.com/office/drawing/2010/main" w="9525">
                   <a:solidFill>
                     <a:srgbClr val="000000"/>
                   </a:solidFill>
@@ -42765,7 +42765,7 @@
             </a:ln>
             <a:extLst>
               <a:ext uri="{91240B29-F687-4f45-9708-019B960494DF}">
-                <a14:hiddenLine xmlns:a14="http://schemas.microsoft.com/office/drawing/2010/main" xmlns="" w="9525">
+                <a14:hiddenLine xmlns="" xmlns:a14="http://schemas.microsoft.com/office/drawing/2010/main" w="9525">
                   <a:solidFill>
                     <a:srgbClr val="000000"/>
                   </a:solidFill>
@@ -42825,14 +42825,14 @@
             </a:ln>
             <a:extLst>
               <a:ext uri="{909E8E84-426E-40dd-AFC4-6F175D3DCCD1}">
-                <a14:hiddenFill xmlns:a14="http://schemas.microsoft.com/office/drawing/2010/main" xmlns="">
+                <a14:hiddenFill xmlns="" xmlns:a14="http://schemas.microsoft.com/office/drawing/2010/main">
                   <a:solidFill>
                     <a:srgbClr val="FFFFFF"/>
                   </a:solidFill>
                 </a14:hiddenFill>
               </a:ext>
               <a:ext uri="{91240B29-F687-4f45-9708-019B960494DF}">
-                <a14:hiddenLine xmlns:a14="http://schemas.microsoft.com/office/drawing/2010/main" xmlns="" w="9525">
+                <a14:hiddenLine xmlns="" xmlns:a14="http://schemas.microsoft.com/office/drawing/2010/main" w="9525">
                   <a:solidFill>
                     <a:srgbClr val="000000"/>
                   </a:solidFill>
@@ -42961,7 +42961,7 @@
             </a:ln>
             <a:extLst>
               <a:ext uri="{91240B29-F687-4f45-9708-019B960494DF}">
-                <a14:hiddenLine xmlns:a14="http://schemas.microsoft.com/office/drawing/2010/main" xmlns="" w="9525">
+                <a14:hiddenLine xmlns="" xmlns:a14="http://schemas.microsoft.com/office/drawing/2010/main" w="9525">
                   <a:solidFill>
                     <a:srgbClr val="000000"/>
                   </a:solidFill>
@@ -43106,7 +43106,7 @@
             </a:ln>
             <a:extLst>
               <a:ext uri="{91240B29-F687-4f45-9708-019B960494DF}">
-                <a14:hiddenLine xmlns:a14="http://schemas.microsoft.com/office/drawing/2010/main" xmlns="" w="9525">
+                <a14:hiddenLine xmlns="" xmlns:a14="http://schemas.microsoft.com/office/drawing/2010/main" w="9525">
                   <a:solidFill>
                     <a:srgbClr val="000000"/>
                   </a:solidFill>
@@ -43315,7 +43315,7 @@
             </a:ln>
             <a:extLst>
               <a:ext uri="{91240B29-F687-4f45-9708-019B960494DF}">
-                <a14:hiddenLine xmlns:a14="http://schemas.microsoft.com/office/drawing/2010/main" xmlns="" w="9525">
+                <a14:hiddenLine xmlns="" xmlns:a14="http://schemas.microsoft.com/office/drawing/2010/main" w="9525">
                   <a:solidFill>
                     <a:srgbClr val="000000"/>
                   </a:solidFill>
@@ -43396,14 +43396,14 @@
             </a:ln>
             <a:extLst>
               <a:ext uri="{909E8E84-426E-40dd-AFC4-6F175D3DCCD1}">
-                <a14:hiddenFill xmlns:a14="http://schemas.microsoft.com/office/drawing/2010/main" xmlns="">
+                <a14:hiddenFill xmlns="" xmlns:a14="http://schemas.microsoft.com/office/drawing/2010/main">
                   <a:solidFill>
                     <a:srgbClr val="FFFFFF"/>
                   </a:solidFill>
                 </a14:hiddenFill>
               </a:ext>
               <a:ext uri="{91240B29-F687-4f45-9708-019B960494DF}">
-                <a14:hiddenLine xmlns:a14="http://schemas.microsoft.com/office/drawing/2010/main" xmlns="" w="9525">
+                <a14:hiddenLine xmlns="" xmlns:a14="http://schemas.microsoft.com/office/drawing/2010/main" w="9525">
                   <a:solidFill>
                     <a:srgbClr val="000000"/>
                   </a:solidFill>
@@ -43562,7 +43562,7 @@
             </a:ln>
             <a:extLst>
               <a:ext uri="{91240B29-F687-4f45-9708-019B960494DF}">
-                <a14:hiddenLine xmlns:a14="http://schemas.microsoft.com/office/drawing/2010/main" xmlns="" w="9525">
+                <a14:hiddenLine xmlns="" xmlns:a14="http://schemas.microsoft.com/office/drawing/2010/main" w="9525">
                   <a:solidFill>
                     <a:srgbClr val="000000"/>
                   </a:solidFill>
@@ -45762,6 +45762,95 @@
           </a:fontRef>
         </p:style>
       </p:cxnSp>
+      <p:cxnSp>
+        <p:nvCxnSpPr>
+          <p:cNvPr id="353" name="Straight Connector 352">
+            <a:extLst>
+              <a:ext uri="{FF2B5EF4-FFF2-40B4-BE49-F238E27FC236}">
+                <a16:creationId xmlns:a16="http://schemas.microsoft.com/office/drawing/2014/main" id="{1CF2F737-14CD-1042-A786-B05FBF28AA28}"/>
+              </a:ext>
+            </a:extLst>
+          </p:cNvPr>
+          <p:cNvCxnSpPr>
+            <a:cxnSpLocks/>
+            <a:endCxn id="383" idx="3"/>
+          </p:cNvCxnSpPr>
+          <p:nvPr/>
+        </p:nvCxnSpPr>
+        <p:spPr>
+          <a:xfrm flipH="1">
+            <a:off x="5950579" y="12222429"/>
+            <a:ext cx="1779400" cy="185143"/>
+          </a:xfrm>
+          <a:prstGeom prst="line">
+            <a:avLst/>
+          </a:prstGeom>
+          <a:ln w="146050" cmpd="sng">
+            <a:solidFill>
+              <a:srgbClr val="C00000"/>
+            </a:solidFill>
+            <a:headEnd type="triangle"/>
+          </a:ln>
+        </p:spPr>
+        <p:style>
+          <a:lnRef idx="1">
+            <a:schemeClr val="accent1"/>
+          </a:lnRef>
+          <a:fillRef idx="0">
+            <a:schemeClr val="accent1"/>
+          </a:fillRef>
+          <a:effectRef idx="0">
+            <a:schemeClr val="accent1"/>
+          </a:effectRef>
+          <a:fontRef idx="minor">
+            <a:schemeClr val="tx1"/>
+          </a:fontRef>
+        </p:style>
+      </p:cxnSp>
+      <p:sp>
+        <p:nvSpPr>
+          <p:cNvPr id="383" name="TextBox 382">
+            <a:extLst>
+              <a:ext uri="{FF2B5EF4-FFF2-40B4-BE49-F238E27FC236}">
+                <a16:creationId xmlns:a16="http://schemas.microsoft.com/office/drawing/2014/main" id="{0A6C60DF-9B71-AA47-ADB6-D8AFBCE53A8A}"/>
+              </a:ext>
+            </a:extLst>
+          </p:cNvPr>
+          <p:cNvSpPr txBox="1"/>
+          <p:nvPr/>
+        </p:nvSpPr>
+        <p:spPr>
+          <a:xfrm>
+            <a:off x="2918571" y="12022851"/>
+            <a:ext cx="3032008" cy="769441"/>
+          </a:xfrm>
+          <a:prstGeom prst="rect">
+            <a:avLst/>
+          </a:prstGeom>
+          <a:noFill/>
+          <a:effectLst>
+            <a:glow rad="127000">
+              <a:schemeClr val="accent1"/>
+            </a:glow>
+          </a:effectLst>
+        </p:spPr>
+        <p:txBody>
+          <a:bodyPr wrap="square" rtlCol="0">
+            <a:spAutoFit/>
+          </a:bodyPr>
+          <a:lstStyle/>
+          <a:p>
+            <a:r>
+              <a:rPr lang="en-US" sz="4400" b="1" dirty="0">
+                <a:solidFill>
+                  <a:srgbClr val="C00000"/>
+                </a:solidFill>
+              </a:rPr>
+              <a:t>F5® BIG-IQ® </a:t>
+            </a:r>
+          </a:p>
+        </p:txBody>
+      </p:sp>
     </p:spTree>
     <p:extLst>
       <p:ext uri="{BB962C8B-B14F-4D97-AF65-F5344CB8AC3E}">
